--- a/Solar_Energy_Analysis_for Some Locations in Libya.pptx
+++ b/Solar_Energy_Analysis_for Some Locations in Libya.pptx
@@ -12844,7 +12844,7 @@
         <p:spPr>
           <a:xfrm>
             <a:off x="-2" y="768938"/>
-            <a:ext cx="9144002" cy="3970318"/>
+            <a:ext cx="9144002" cy="4247317"/>
           </a:xfrm>
           <a:prstGeom prst="rect">
             <a:avLst/>
@@ -12863,7 +12863,7 @@
             </a:pPr>
             <a:r>
               <a:rPr lang="en-US" dirty="0"/>
-              <a:t>In  Libya, the southern locations yield more solar energy, but the northern locations have a good yielding to some locations in the world with significant solar power deployment.</a:t>
+              <a:t>In  Libya, the southern locations yield more solar energy, but the northern locations have a good yielding compared to some locations in the world with significant solar power deployment.</a:t>
             </a:r>
           </a:p>
           <a:p>

--- a/Solar_Energy_Analysis_for Some Locations in Libya.pptx
+++ b/Solar_Energy_Analysis_for Some Locations in Libya.pptx
@@ -8597,7 +8597,7 @@
           <p:nvPr>
             <p:extLst>
               <p:ext uri="{D42A27DB-BD31-4B8C-83A1-F6EECF244321}">
-                <p14:modId xmlns:p14="http://schemas.microsoft.com/office/powerpoint/2010/main" val="3315382853"/>
+                <p14:modId xmlns:p14="http://schemas.microsoft.com/office/powerpoint/2010/main" val="1877228134"/>
               </p:ext>
             </p:extLst>
           </p:nvPr>
@@ -9731,9 +9731,10 @@
                     <a:lstStyle/>
                     <a:p>
                       <a:r>
-                        <a:rPr lang="en-US" dirty="0"/>
-                        <a:t>0.09442</a:t>
+                        <a:rPr lang="en-US"/>
+                        <a:t>0.094420</a:t>
                       </a:r>
+                      <a:endParaRPr lang="en-US" dirty="0"/>
                     </a:p>
                   </a:txBody>
                   <a:tcPr anchor="ctr"/>
